--- a/present/ตัวอย่างไฟล์นำเสนอ.pptx
+++ b/present/ตัวอย่างไฟล์นำเสนอ.pptx
@@ -272,7 +272,7 @@
           <a:p>
             <a:fld id="{71FDB983-57D4-4524-928A-6E3CAB900B43}" type="datetimeFigureOut">
               <a:rPr lang="en-US" smtClean="0"/>
-              <a:t>10/8/2024</a:t>
+              <a:t>10/11/2024</a:t>
             </a:fld>
             <a:endParaRPr lang="en-US"/>
           </a:p>
@@ -470,7 +470,7 @@
           <a:p>
             <a:fld id="{71FDB983-57D4-4524-928A-6E3CAB900B43}" type="datetimeFigureOut">
               <a:rPr lang="en-US" smtClean="0"/>
-              <a:t>10/8/2024</a:t>
+              <a:t>10/11/2024</a:t>
             </a:fld>
             <a:endParaRPr lang="en-US"/>
           </a:p>
@@ -678,7 +678,7 @@
           <a:p>
             <a:fld id="{71FDB983-57D4-4524-928A-6E3CAB900B43}" type="datetimeFigureOut">
               <a:rPr lang="en-US" smtClean="0"/>
-              <a:t>10/8/2024</a:t>
+              <a:t>10/11/2024</a:t>
             </a:fld>
             <a:endParaRPr lang="en-US"/>
           </a:p>
@@ -876,7 +876,7 @@
           <a:p>
             <a:fld id="{71FDB983-57D4-4524-928A-6E3CAB900B43}" type="datetimeFigureOut">
               <a:rPr lang="en-US" smtClean="0"/>
-              <a:t>10/8/2024</a:t>
+              <a:t>10/11/2024</a:t>
             </a:fld>
             <a:endParaRPr lang="en-US"/>
           </a:p>
@@ -1151,7 +1151,7 @@
           <a:p>
             <a:fld id="{71FDB983-57D4-4524-928A-6E3CAB900B43}" type="datetimeFigureOut">
               <a:rPr lang="en-US" smtClean="0"/>
-              <a:t>10/8/2024</a:t>
+              <a:t>10/11/2024</a:t>
             </a:fld>
             <a:endParaRPr lang="en-US"/>
           </a:p>
@@ -1416,7 +1416,7 @@
           <a:p>
             <a:fld id="{71FDB983-57D4-4524-928A-6E3CAB900B43}" type="datetimeFigureOut">
               <a:rPr lang="en-US" smtClean="0"/>
-              <a:t>10/8/2024</a:t>
+              <a:t>10/11/2024</a:t>
             </a:fld>
             <a:endParaRPr lang="en-US"/>
           </a:p>
@@ -1828,7 +1828,7 @@
           <a:p>
             <a:fld id="{71FDB983-57D4-4524-928A-6E3CAB900B43}" type="datetimeFigureOut">
               <a:rPr lang="en-US" smtClean="0"/>
-              <a:t>10/8/2024</a:t>
+              <a:t>10/11/2024</a:t>
             </a:fld>
             <a:endParaRPr lang="en-US"/>
           </a:p>
@@ -1969,7 +1969,7 @@
           <a:p>
             <a:fld id="{71FDB983-57D4-4524-928A-6E3CAB900B43}" type="datetimeFigureOut">
               <a:rPr lang="en-US" smtClean="0"/>
-              <a:t>10/8/2024</a:t>
+              <a:t>10/11/2024</a:t>
             </a:fld>
             <a:endParaRPr lang="en-US"/>
           </a:p>
@@ -2082,7 +2082,7 @@
           <a:p>
             <a:fld id="{71FDB983-57D4-4524-928A-6E3CAB900B43}" type="datetimeFigureOut">
               <a:rPr lang="en-US" smtClean="0"/>
-              <a:t>10/8/2024</a:t>
+              <a:t>10/11/2024</a:t>
             </a:fld>
             <a:endParaRPr lang="en-US"/>
           </a:p>
@@ -2393,7 +2393,7 @@
           <a:p>
             <a:fld id="{71FDB983-57D4-4524-928A-6E3CAB900B43}" type="datetimeFigureOut">
               <a:rPr lang="en-US" smtClean="0"/>
-              <a:t>10/8/2024</a:t>
+              <a:t>10/11/2024</a:t>
             </a:fld>
             <a:endParaRPr lang="en-US"/>
           </a:p>
@@ -2681,7 +2681,7 @@
           <a:p>
             <a:fld id="{71FDB983-57D4-4524-928A-6E3CAB900B43}" type="datetimeFigureOut">
               <a:rPr lang="en-US" smtClean="0"/>
-              <a:t>10/8/2024</a:t>
+              <a:t>10/11/2024</a:t>
             </a:fld>
             <a:endParaRPr lang="en-US"/>
           </a:p>
@@ -2922,7 +2922,7 @@
           <a:p>
             <a:fld id="{71FDB983-57D4-4524-928A-6E3CAB900B43}" type="datetimeFigureOut">
               <a:rPr lang="en-US" smtClean="0"/>
-              <a:t>10/8/2024</a:t>
+              <a:t>10/11/2024</a:t>
             </a:fld>
             <a:endParaRPr lang="en-US"/>
           </a:p>
@@ -3361,13 +3361,10 @@
           <a:lstStyle/>
           <a:p>
             <a:r>
-              <a:rPr lang="th-TH" dirty="0"/>
-              <a:t>ชื่อโปรเจค/</a:t>
-            </a:r>
-            <a:r>
-              <a:rPr lang="en-US" dirty="0"/>
-              <a:t>Entity</a:t>
-            </a:r>
+              <a:rPr lang="en-US" dirty="0" err="1"/>
+              <a:t>WonderS</a:t>
+            </a:r>
+            <a:endParaRPr lang="en-US" dirty="0"/>
           </a:p>
         </p:txBody>
       </p:sp>
@@ -3394,7 +3391,7 @@
           <a:p>
             <a:r>
               <a:rPr lang="th-TH" dirty="0"/>
-              <a:t>รหัสนิสิต ชื่อ สกุล</a:t>
+              <a:t>65315055 นายสวัจฉรัตน์ ลำดับ</a:t>
             </a:r>
             <a:endParaRPr lang="en-US" dirty="0"/>
           </a:p>
@@ -3446,7 +3443,12 @@
             <p:ph type="title"/>
           </p:nvPr>
         </p:nvSpPr>
-        <p:spPr/>
+        <p:spPr>
+          <a:xfrm>
+            <a:off x="520959" y="56884"/>
+            <a:ext cx="10515600" cy="1325563"/>
+          </a:xfrm>
+        </p:spPr>
         <p:txBody>
           <a:bodyPr/>
           <a:lstStyle/>
@@ -3459,12 +3461,51 @@
           </a:p>
         </p:txBody>
       </p:sp>
+      <p:sp>
+        <p:nvSpPr>
+          <p:cNvPr id="5" name="TextBox 4">
+            <a:extLst>
+              <a:ext uri="{FF2B5EF4-FFF2-40B4-BE49-F238E27FC236}">
+                <a16:creationId xmlns:a16="http://schemas.microsoft.com/office/drawing/2014/main" id="{1E9E0681-369F-486F-95FF-1531F9D99766}"/>
+              </a:ext>
+            </a:extLst>
+          </p:cNvPr>
+          <p:cNvSpPr txBox="1"/>
+          <p:nvPr/>
+        </p:nvSpPr>
+        <p:spPr>
+          <a:xfrm>
+            <a:off x="949036" y="1690688"/>
+            <a:ext cx="3740728" cy="369332"/>
+          </a:xfrm>
+          <a:prstGeom prst="rect">
+            <a:avLst/>
+          </a:prstGeom>
+          <a:noFill/>
+        </p:spPr>
+        <p:txBody>
+          <a:bodyPr wrap="square" rtlCol="0">
+            <a:spAutoFit/>
+          </a:bodyPr>
+          <a:lstStyle/>
+          <a:p>
+            <a:r>
+              <a:rPr lang="th-TH" dirty="0"/>
+              <a:t>ชื่อโมเดล</a:t>
+            </a:r>
+            <a:r>
+              <a:rPr lang="en-US" dirty="0"/>
+              <a:t>: Wonders</a:t>
+            </a:r>
+          </a:p>
+        </p:txBody>
+      </p:sp>
       <p:graphicFrame>
         <p:nvGraphicFramePr>
-          <p:cNvPr id="4" name="Content Placeholder 3">
-            <a:extLst>
-              <a:ext uri="{FF2B5EF4-FFF2-40B4-BE49-F238E27FC236}">
-                <a16:creationId xmlns:a16="http://schemas.microsoft.com/office/drawing/2014/main" id="{7B7F01EE-4A62-45C3-B523-566CB6346F94}"/>
+          <p:cNvPr id="6" name="Table 5">
+            <a:extLst>
+              <a:ext uri="{FF2B5EF4-FFF2-40B4-BE49-F238E27FC236}">
+                <a16:creationId xmlns:a16="http://schemas.microsoft.com/office/drawing/2014/main" id="{D1C38C70-2467-90B1-BC57-73227640F9ED}"/>
               </a:ext>
             </a:extLst>
           </p:cNvPr>
@@ -3472,17 +3513,16 @@
             <a:graphicFrameLocks noGrp="1"/>
           </p:cNvGraphicFramePr>
           <p:nvPr>
-            <p:ph idx="1"/>
             <p:extLst>
               <p:ext uri="{D42A27DB-BD31-4B8C-83A1-F6EECF244321}">
-                <p14:modId xmlns:p14="http://schemas.microsoft.com/office/powerpoint/2010/main" val="1089704681"/>
+                <p14:modId xmlns:p14="http://schemas.microsoft.com/office/powerpoint/2010/main" val="669650838"/>
               </p:ext>
             </p:extLst>
           </p:nvPr>
         </p:nvGraphicFramePr>
         <p:xfrm>
-          <a:off x="789709" y="2698462"/>
-          <a:ext cx="10515600" cy="1854200"/>
+          <a:off x="1405010" y="2363596"/>
+          <a:ext cx="9959675" cy="2865120"/>
         </p:xfrm>
         <a:graphic>
           <a:graphicData uri="http://schemas.openxmlformats.org/drawingml/2006/table">
@@ -3491,38 +3531,38 @@
                 <a:tableStyleId>{5C22544A-7EE6-4342-B048-85BDC9FD1C3A}</a:tableStyleId>
               </a:tblPr>
               <a:tblGrid>
-                <a:gridCol w="706582">
+                <a:gridCol w="1991935">
                   <a:extLst>
                     <a:ext uri="{9D8B030D-6E8A-4147-A177-3AD203B41FA5}">
-                      <a16:colId xmlns:a16="http://schemas.microsoft.com/office/drawing/2014/main" val="1891398218"/>
+                      <a16:colId xmlns:a16="http://schemas.microsoft.com/office/drawing/2014/main" val="3314538150"/>
                     </a:ext>
                   </a:extLst>
                 </a:gridCol>
-                <a:gridCol w="3499658">
+                <a:gridCol w="1991935">
                   <a:extLst>
                     <a:ext uri="{9D8B030D-6E8A-4147-A177-3AD203B41FA5}">
-                      <a16:colId xmlns:a16="http://schemas.microsoft.com/office/drawing/2014/main" val="931759099"/>
+                      <a16:colId xmlns:a16="http://schemas.microsoft.com/office/drawing/2014/main" val="925771638"/>
                     </a:ext>
                   </a:extLst>
                 </a:gridCol>
-                <a:gridCol w="2103120">
+                <a:gridCol w="1991935">
                   <a:extLst>
                     <a:ext uri="{9D8B030D-6E8A-4147-A177-3AD203B41FA5}">
-                      <a16:colId xmlns:a16="http://schemas.microsoft.com/office/drawing/2014/main" val="464374099"/>
+                      <a16:colId xmlns:a16="http://schemas.microsoft.com/office/drawing/2014/main" val="241724611"/>
                     </a:ext>
                   </a:extLst>
                 </a:gridCol>
-                <a:gridCol w="2103120">
+                <a:gridCol w="1991935">
                   <a:extLst>
                     <a:ext uri="{9D8B030D-6E8A-4147-A177-3AD203B41FA5}">
-                      <a16:colId xmlns:a16="http://schemas.microsoft.com/office/drawing/2014/main" val="3455624494"/>
+                      <a16:colId xmlns:a16="http://schemas.microsoft.com/office/drawing/2014/main" val="2453508272"/>
                     </a:ext>
                   </a:extLst>
                 </a:gridCol>
-                <a:gridCol w="2103120">
+                <a:gridCol w="1991935">
                   <a:extLst>
                     <a:ext uri="{9D8B030D-6E8A-4147-A177-3AD203B41FA5}">
-                      <a16:colId xmlns:a16="http://schemas.microsoft.com/office/drawing/2014/main" val="3575121391"/>
+                      <a16:colId xmlns:a16="http://schemas.microsoft.com/office/drawing/2014/main" val="1361336162"/>
                     </a:ext>
                   </a:extLst>
                 </a:gridCol>
@@ -3533,22 +3573,73 @@
                     <a:bodyPr/>
                     <a:lstStyle/>
                     <a:p>
-                      <a:pPr algn="ctr"/>
                       <a:r>
                         <a:rPr lang="th-TH" dirty="0"/>
                         <a:t>ลำดับ</a:t>
                       </a:r>
-                      <a:endParaRPr lang="en-US" dirty="0"/>
                     </a:p>
                   </a:txBody>
-                  <a:tcPr/>
+                  <a:tcPr>
+                    <a:lnL w="12700" cap="flat" cmpd="sng" algn="ctr">
+                      <a:solidFill>
+                        <a:schemeClr val="tx1"/>
+                      </a:solidFill>
+                      <a:prstDash val="solid"/>
+                      <a:round/>
+                      <a:headEnd type="none" w="med" len="med"/>
+                      <a:tailEnd type="none" w="med" len="med"/>
+                    </a:lnL>
+                    <a:lnR w="12700" cap="flat" cmpd="sng" algn="ctr">
+                      <a:solidFill>
+                        <a:schemeClr val="tx1"/>
+                      </a:solidFill>
+                      <a:prstDash val="solid"/>
+                      <a:round/>
+                      <a:headEnd type="none" w="med" len="med"/>
+                      <a:tailEnd type="none" w="med" len="med"/>
+                    </a:lnR>
+                    <a:lnT w="12700" cap="flat" cmpd="sng" algn="ctr">
+                      <a:solidFill>
+                        <a:schemeClr val="tx1"/>
+                      </a:solidFill>
+                      <a:prstDash val="solid"/>
+                      <a:round/>
+                      <a:headEnd type="none" w="med" len="med"/>
+                      <a:tailEnd type="none" w="med" len="med"/>
+                    </a:lnT>
+                    <a:lnB w="12700" cap="flat" cmpd="sng" algn="ctr">
+                      <a:solidFill>
+                        <a:schemeClr val="tx1"/>
+                      </a:solidFill>
+                      <a:prstDash val="solid"/>
+                      <a:round/>
+                      <a:headEnd type="none" w="med" len="med"/>
+                      <a:tailEnd type="none" w="med" len="med"/>
+                    </a:lnB>
+                  </a:tcPr>
                 </a:tc>
                 <a:tc>
                   <a:txBody>
                     <a:bodyPr/>
                     <a:lstStyle/>
                     <a:p>
-                      <a:pPr algn="ctr"/>
+                      <a:pPr marL="0" marR="0" lvl="0" indent="0" algn="l" defTabSz="914400" rtl="0" eaLnBrk="1" fontAlgn="auto" latinLnBrk="0" hangingPunct="1">
+                        <a:lnSpc>
+                          <a:spcPct val="100000"/>
+                        </a:lnSpc>
+                        <a:spcBef>
+                          <a:spcPts val="0"/>
+                        </a:spcBef>
+                        <a:spcAft>
+                          <a:spcPts val="0"/>
+                        </a:spcAft>
+                        <a:buClrTx/>
+                        <a:buSzTx/>
+                        <a:buFontTx/>
+                        <a:buNone/>
+                        <a:tabLst/>
+                        <a:defRPr/>
+                      </a:pPr>
                       <a:r>
                         <a:rPr lang="th-TH" dirty="0"/>
                         <a:t>ชื่อ </a:t>
@@ -3559,14 +3650,67 @@
                       </a:r>
                     </a:p>
                   </a:txBody>
-                  <a:tcPr/>
+                  <a:tcPr>
+                    <a:lnL w="12700" cap="flat" cmpd="sng" algn="ctr">
+                      <a:solidFill>
+                        <a:schemeClr val="tx1"/>
+                      </a:solidFill>
+                      <a:prstDash val="solid"/>
+                      <a:round/>
+                      <a:headEnd type="none" w="med" len="med"/>
+                      <a:tailEnd type="none" w="med" len="med"/>
+                    </a:lnL>
+                    <a:lnR w="12700" cap="flat" cmpd="sng" algn="ctr">
+                      <a:solidFill>
+                        <a:schemeClr val="tx1"/>
+                      </a:solidFill>
+                      <a:prstDash val="solid"/>
+                      <a:round/>
+                      <a:headEnd type="none" w="med" len="med"/>
+                      <a:tailEnd type="none" w="med" len="med"/>
+                    </a:lnR>
+                    <a:lnT w="12700" cap="flat" cmpd="sng" algn="ctr">
+                      <a:solidFill>
+                        <a:schemeClr val="tx1"/>
+                      </a:solidFill>
+                      <a:prstDash val="solid"/>
+                      <a:round/>
+                      <a:headEnd type="none" w="med" len="med"/>
+                      <a:tailEnd type="none" w="med" len="med"/>
+                    </a:lnT>
+                    <a:lnB w="12700" cap="flat" cmpd="sng" algn="ctr">
+                      <a:solidFill>
+                        <a:schemeClr val="tx1"/>
+                      </a:solidFill>
+                      <a:prstDash val="solid"/>
+                      <a:round/>
+                      <a:headEnd type="none" w="med" len="med"/>
+                      <a:tailEnd type="none" w="med" len="med"/>
+                    </a:lnB>
+                  </a:tcPr>
                 </a:tc>
                 <a:tc>
                   <a:txBody>
                     <a:bodyPr/>
                     <a:lstStyle/>
                     <a:p>
-                      <a:pPr algn="ctr"/>
+                      <a:pPr marL="0" marR="0" lvl="0" indent="0" algn="l" defTabSz="914400" rtl="0" eaLnBrk="1" fontAlgn="auto" latinLnBrk="0" hangingPunct="1">
+                        <a:lnSpc>
+                          <a:spcPct val="100000"/>
+                        </a:lnSpc>
+                        <a:spcBef>
+                          <a:spcPts val="0"/>
+                        </a:spcBef>
+                        <a:spcAft>
+                          <a:spcPts val="0"/>
+                        </a:spcAft>
+                        <a:buClrTx/>
+                        <a:buSzTx/>
+                        <a:buFontTx/>
+                        <a:buNone/>
+                        <a:tabLst/>
+                        <a:defRPr/>
+                      </a:pPr>
                       <a:r>
                         <a:rPr lang="th-TH" dirty="0"/>
                         <a:t>ชนิดข้อมูล</a:t>
@@ -3574,28 +3718,118 @@
                       <a:endParaRPr lang="en-US" dirty="0"/>
                     </a:p>
                   </a:txBody>
-                  <a:tcPr/>
+                  <a:tcPr>
+                    <a:lnL w="12700" cap="flat" cmpd="sng" algn="ctr">
+                      <a:solidFill>
+                        <a:schemeClr val="tx1"/>
+                      </a:solidFill>
+                      <a:prstDash val="solid"/>
+                      <a:round/>
+                      <a:headEnd type="none" w="med" len="med"/>
+                      <a:tailEnd type="none" w="med" len="med"/>
+                    </a:lnL>
+                    <a:lnR w="12700" cap="flat" cmpd="sng" algn="ctr">
+                      <a:solidFill>
+                        <a:schemeClr val="tx1"/>
+                      </a:solidFill>
+                      <a:prstDash val="solid"/>
+                      <a:round/>
+                      <a:headEnd type="none" w="med" len="med"/>
+                      <a:tailEnd type="none" w="med" len="med"/>
+                    </a:lnR>
+                    <a:lnT w="12700" cap="flat" cmpd="sng" algn="ctr">
+                      <a:solidFill>
+                        <a:schemeClr val="tx1"/>
+                      </a:solidFill>
+                      <a:prstDash val="solid"/>
+                      <a:round/>
+                      <a:headEnd type="none" w="med" len="med"/>
+                      <a:tailEnd type="none" w="med" len="med"/>
+                    </a:lnT>
+                    <a:lnB w="12700" cap="flat" cmpd="sng" algn="ctr">
+                      <a:solidFill>
+                        <a:schemeClr val="tx1"/>
+                      </a:solidFill>
+                      <a:prstDash val="solid"/>
+                      <a:round/>
+                      <a:headEnd type="none" w="med" len="med"/>
+                      <a:tailEnd type="none" w="med" len="med"/>
+                    </a:lnB>
+                  </a:tcPr>
                 </a:tc>
                 <a:tc>
                   <a:txBody>
                     <a:bodyPr/>
                     <a:lstStyle/>
                     <a:p>
-                      <a:pPr algn="ctr"/>
                       <a:r>
                         <a:rPr lang="en-US" dirty="0"/>
                         <a:t>Constraint</a:t>
                       </a:r>
+                      <a:endParaRPr lang="th-TH" dirty="0"/>
                     </a:p>
                   </a:txBody>
-                  <a:tcPr/>
+                  <a:tcPr>
+                    <a:lnL w="12700" cap="flat" cmpd="sng" algn="ctr">
+                      <a:solidFill>
+                        <a:schemeClr val="tx1"/>
+                      </a:solidFill>
+                      <a:prstDash val="solid"/>
+                      <a:round/>
+                      <a:headEnd type="none" w="med" len="med"/>
+                      <a:tailEnd type="none" w="med" len="med"/>
+                    </a:lnL>
+                    <a:lnR w="12700" cap="flat" cmpd="sng" algn="ctr">
+                      <a:solidFill>
+                        <a:schemeClr val="tx1"/>
+                      </a:solidFill>
+                      <a:prstDash val="solid"/>
+                      <a:round/>
+                      <a:headEnd type="none" w="med" len="med"/>
+                      <a:tailEnd type="none" w="med" len="med"/>
+                    </a:lnR>
+                    <a:lnT w="12700" cap="flat" cmpd="sng" algn="ctr">
+                      <a:solidFill>
+                        <a:schemeClr val="tx1"/>
+                      </a:solidFill>
+                      <a:prstDash val="solid"/>
+                      <a:round/>
+                      <a:headEnd type="none" w="med" len="med"/>
+                      <a:tailEnd type="none" w="med" len="med"/>
+                    </a:lnT>
+                    <a:lnB w="12700" cap="flat" cmpd="sng" algn="ctr">
+                      <a:solidFill>
+                        <a:schemeClr val="tx1"/>
+                      </a:solidFill>
+                      <a:prstDash val="solid"/>
+                      <a:round/>
+                      <a:headEnd type="none" w="med" len="med"/>
+                      <a:tailEnd type="none" w="med" len="med"/>
+                    </a:lnB>
+                  </a:tcPr>
                 </a:tc>
                 <a:tc>
                   <a:txBody>
                     <a:bodyPr/>
                     <a:lstStyle/>
                     <a:p>
-                      <a:pPr algn="ctr"/>
+                      <a:pPr marL="0" marR="0" lvl="0" indent="0" algn="l" defTabSz="914400" rtl="0" eaLnBrk="1" fontAlgn="auto" latinLnBrk="0" hangingPunct="1">
+                        <a:lnSpc>
+                          <a:spcPct val="100000"/>
+                        </a:lnSpc>
+                        <a:spcBef>
+                          <a:spcPts val="0"/>
+                        </a:spcBef>
+                        <a:spcAft>
+                          <a:spcPts val="0"/>
+                        </a:spcAft>
+                        <a:buClrTx/>
+                        <a:buSzTx/>
+                        <a:buFontTx/>
+                        <a:buNone/>
+                        <a:tabLst/>
+                        <a:defRPr/>
+                      </a:pPr>
                       <a:r>
                         <a:rPr lang="th-TH" dirty="0"/>
                         <a:t>ตัวอย่าง </a:t>
@@ -3606,11 +3840,48 @@
                       </a:r>
                     </a:p>
                   </a:txBody>
-                  <a:tcPr/>
+                  <a:tcPr>
+                    <a:lnL w="12700" cap="flat" cmpd="sng" algn="ctr">
+                      <a:solidFill>
+                        <a:schemeClr val="tx1"/>
+                      </a:solidFill>
+                      <a:prstDash val="solid"/>
+                      <a:round/>
+                      <a:headEnd type="none" w="med" len="med"/>
+                      <a:tailEnd type="none" w="med" len="med"/>
+                    </a:lnL>
+                    <a:lnR w="12700" cap="flat" cmpd="sng" algn="ctr">
+                      <a:solidFill>
+                        <a:schemeClr val="tx1"/>
+                      </a:solidFill>
+                      <a:prstDash val="solid"/>
+                      <a:round/>
+                      <a:headEnd type="none" w="med" len="med"/>
+                      <a:tailEnd type="none" w="med" len="med"/>
+                    </a:lnR>
+                    <a:lnT w="12700" cap="flat" cmpd="sng" algn="ctr">
+                      <a:solidFill>
+                        <a:schemeClr val="tx1"/>
+                      </a:solidFill>
+                      <a:prstDash val="solid"/>
+                      <a:round/>
+                      <a:headEnd type="none" w="med" len="med"/>
+                      <a:tailEnd type="none" w="med" len="med"/>
+                    </a:lnT>
+                    <a:lnB w="12700" cap="flat" cmpd="sng" algn="ctr">
+                      <a:solidFill>
+                        <a:schemeClr val="tx1"/>
+                      </a:solidFill>
+                      <a:prstDash val="solid"/>
+                      <a:round/>
+                      <a:headEnd type="none" w="med" len="med"/>
+                      <a:tailEnd type="none" w="med" len="med"/>
+                    </a:lnB>
+                  </a:tcPr>
                 </a:tc>
                 <a:extLst>
                   <a:ext uri="{0D108BD9-81ED-4DB2-BD59-A6C34878D82A}">
-                    <a16:rowId xmlns:a16="http://schemas.microsoft.com/office/drawing/2014/main" val="3157802568"/>
+                    <a16:rowId xmlns:a16="http://schemas.microsoft.com/office/drawing/2014/main" val="535920676"/>
                   </a:ext>
                 </a:extLst>
               </a:tr>
@@ -3624,9 +3895,47 @@
                         <a:rPr lang="en-US" dirty="0"/>
                         <a:t>1</a:t>
                       </a:r>
+                      <a:endParaRPr lang="th-TH" dirty="0"/>
                     </a:p>
                   </a:txBody>
-                  <a:tcPr/>
+                  <a:tcPr>
+                    <a:lnL w="12700" cap="flat" cmpd="sng" algn="ctr">
+                      <a:solidFill>
+                        <a:schemeClr val="tx1"/>
+                      </a:solidFill>
+                      <a:prstDash val="solid"/>
+                      <a:round/>
+                      <a:headEnd type="none" w="med" len="med"/>
+                      <a:tailEnd type="none" w="med" len="med"/>
+                    </a:lnL>
+                    <a:lnR w="12700" cap="flat" cmpd="sng" algn="ctr">
+                      <a:solidFill>
+                        <a:schemeClr val="tx1"/>
+                      </a:solidFill>
+                      <a:prstDash val="solid"/>
+                      <a:round/>
+                      <a:headEnd type="none" w="med" len="med"/>
+                      <a:tailEnd type="none" w="med" len="med"/>
+                    </a:lnR>
+                    <a:lnT w="12700" cap="flat" cmpd="sng" algn="ctr">
+                      <a:solidFill>
+                        <a:schemeClr val="tx1"/>
+                      </a:solidFill>
+                      <a:prstDash val="solid"/>
+                      <a:round/>
+                      <a:headEnd type="none" w="med" len="med"/>
+                      <a:tailEnd type="none" w="med" len="med"/>
+                    </a:lnT>
+                    <a:lnB w="12700" cap="flat" cmpd="sng" algn="ctr">
+                      <a:solidFill>
+                        <a:schemeClr val="tx1"/>
+                      </a:solidFill>
+                      <a:prstDash val="solid"/>
+                      <a:round/>
+                      <a:headEnd type="none" w="med" len="med"/>
+                      <a:tailEnd type="none" w="med" len="med"/>
+                    </a:lnB>
+                  </a:tcPr>
                 </a:tc>
                 <a:tc>
                   <a:txBody>
@@ -3634,12 +3943,50 @@
                     <a:lstStyle/>
                     <a:p>
                       <a:r>
-                        <a:rPr lang="en-US" dirty="0"/>
-                        <a:t>ID</a:t>
+                        <a:rPr lang="en-US" dirty="0" err="1"/>
+                        <a:t>keyID</a:t>
                       </a:r>
+                      <a:endParaRPr lang="th-TH" dirty="0"/>
                     </a:p>
                   </a:txBody>
-                  <a:tcPr/>
+                  <a:tcPr>
+                    <a:lnL w="12700" cap="flat" cmpd="sng" algn="ctr">
+                      <a:solidFill>
+                        <a:schemeClr val="tx1"/>
+                      </a:solidFill>
+                      <a:prstDash val="solid"/>
+                      <a:round/>
+                      <a:headEnd type="none" w="med" len="med"/>
+                      <a:tailEnd type="none" w="med" len="med"/>
+                    </a:lnL>
+                    <a:lnR w="12700" cap="flat" cmpd="sng" algn="ctr">
+                      <a:solidFill>
+                        <a:schemeClr val="tx1"/>
+                      </a:solidFill>
+                      <a:prstDash val="solid"/>
+                      <a:round/>
+                      <a:headEnd type="none" w="med" len="med"/>
+                      <a:tailEnd type="none" w="med" len="med"/>
+                    </a:lnR>
+                    <a:lnT w="12700" cap="flat" cmpd="sng" algn="ctr">
+                      <a:solidFill>
+                        <a:schemeClr val="tx1"/>
+                      </a:solidFill>
+                      <a:prstDash val="solid"/>
+                      <a:round/>
+                      <a:headEnd type="none" w="med" len="med"/>
+                      <a:tailEnd type="none" w="med" len="med"/>
+                    </a:lnT>
+                    <a:lnB w="12700" cap="flat" cmpd="sng" algn="ctr">
+                      <a:solidFill>
+                        <a:schemeClr val="tx1"/>
+                      </a:solidFill>
+                      <a:prstDash val="solid"/>
+                      <a:round/>
+                      <a:headEnd type="none" w="med" len="med"/>
+                      <a:tailEnd type="none" w="med" len="med"/>
+                    </a:lnB>
+                  </a:tcPr>
                 </a:tc>
                 <a:tc>
                   <a:txBody>
@@ -3650,9 +3997,47 @@
                         <a:rPr lang="en-US" dirty="0"/>
                         <a:t>Integer</a:t>
                       </a:r>
+                      <a:endParaRPr lang="th-TH" dirty="0"/>
                     </a:p>
                   </a:txBody>
-                  <a:tcPr/>
+                  <a:tcPr>
+                    <a:lnL w="12700" cap="flat" cmpd="sng" algn="ctr">
+                      <a:solidFill>
+                        <a:schemeClr val="tx1"/>
+                      </a:solidFill>
+                      <a:prstDash val="solid"/>
+                      <a:round/>
+                      <a:headEnd type="none" w="med" len="med"/>
+                      <a:tailEnd type="none" w="med" len="med"/>
+                    </a:lnL>
+                    <a:lnR w="12700" cap="flat" cmpd="sng" algn="ctr">
+                      <a:solidFill>
+                        <a:schemeClr val="tx1"/>
+                      </a:solidFill>
+                      <a:prstDash val="solid"/>
+                      <a:round/>
+                      <a:headEnd type="none" w="med" len="med"/>
+                      <a:tailEnd type="none" w="med" len="med"/>
+                    </a:lnR>
+                    <a:lnT w="12700" cap="flat" cmpd="sng" algn="ctr">
+                      <a:solidFill>
+                        <a:schemeClr val="tx1"/>
+                      </a:solidFill>
+                      <a:prstDash val="solid"/>
+                      <a:round/>
+                      <a:headEnd type="none" w="med" len="med"/>
+                      <a:tailEnd type="none" w="med" len="med"/>
+                    </a:lnT>
+                    <a:lnB w="12700" cap="flat" cmpd="sng" algn="ctr">
+                      <a:solidFill>
+                        <a:schemeClr val="tx1"/>
+                      </a:solidFill>
+                      <a:prstDash val="solid"/>
+                      <a:round/>
+                      <a:headEnd type="none" w="med" len="med"/>
+                      <a:tailEnd type="none" w="med" len="med"/>
+                    </a:lnB>
+                  </a:tcPr>
                 </a:tc>
                 <a:tc>
                   <a:txBody>
@@ -3663,9 +4048,47 @@
                         <a:rPr lang="en-US" dirty="0"/>
                         <a:t>Primary Key</a:t>
                       </a:r>
+                      <a:endParaRPr lang="th-TH" dirty="0"/>
                     </a:p>
                   </a:txBody>
-                  <a:tcPr/>
+                  <a:tcPr>
+                    <a:lnL w="12700" cap="flat" cmpd="sng" algn="ctr">
+                      <a:solidFill>
+                        <a:schemeClr val="tx1"/>
+                      </a:solidFill>
+                      <a:prstDash val="solid"/>
+                      <a:round/>
+                      <a:headEnd type="none" w="med" len="med"/>
+                      <a:tailEnd type="none" w="med" len="med"/>
+                    </a:lnL>
+                    <a:lnR w="12700" cap="flat" cmpd="sng" algn="ctr">
+                      <a:solidFill>
+                        <a:schemeClr val="tx1"/>
+                      </a:solidFill>
+                      <a:prstDash val="solid"/>
+                      <a:round/>
+                      <a:headEnd type="none" w="med" len="med"/>
+                      <a:tailEnd type="none" w="med" len="med"/>
+                    </a:lnR>
+                    <a:lnT w="12700" cap="flat" cmpd="sng" algn="ctr">
+                      <a:solidFill>
+                        <a:schemeClr val="tx1"/>
+                      </a:solidFill>
+                      <a:prstDash val="solid"/>
+                      <a:round/>
+                      <a:headEnd type="none" w="med" len="med"/>
+                      <a:tailEnd type="none" w="med" len="med"/>
+                    </a:lnT>
+                    <a:lnB w="12700" cap="flat" cmpd="sng" algn="ctr">
+                      <a:solidFill>
+                        <a:schemeClr val="tx1"/>
+                      </a:solidFill>
+                      <a:prstDash val="solid"/>
+                      <a:round/>
+                      <a:headEnd type="none" w="med" len="med"/>
+                      <a:tailEnd type="none" w="med" len="med"/>
+                    </a:lnB>
+                  </a:tcPr>
                 </a:tc>
                 <a:tc>
                   <a:txBody>
@@ -3673,16 +4096,53 @@
                     <a:lstStyle/>
                     <a:p>
                       <a:r>
-                        <a:rPr lang="en-US" dirty="0"/>
+                        <a:rPr lang="th-TH" dirty="0"/>
                         <a:t>1</a:t>
                       </a:r>
                     </a:p>
                   </a:txBody>
-                  <a:tcPr/>
+                  <a:tcPr>
+                    <a:lnL w="12700" cap="flat" cmpd="sng" algn="ctr">
+                      <a:solidFill>
+                        <a:schemeClr val="tx1"/>
+                      </a:solidFill>
+                      <a:prstDash val="solid"/>
+                      <a:round/>
+                      <a:headEnd type="none" w="med" len="med"/>
+                      <a:tailEnd type="none" w="med" len="med"/>
+                    </a:lnL>
+                    <a:lnR w="12700" cap="flat" cmpd="sng" algn="ctr">
+                      <a:solidFill>
+                        <a:schemeClr val="tx1"/>
+                      </a:solidFill>
+                      <a:prstDash val="solid"/>
+                      <a:round/>
+                      <a:headEnd type="none" w="med" len="med"/>
+                      <a:tailEnd type="none" w="med" len="med"/>
+                    </a:lnR>
+                    <a:lnT w="12700" cap="flat" cmpd="sng" algn="ctr">
+                      <a:solidFill>
+                        <a:schemeClr val="tx1"/>
+                      </a:solidFill>
+                      <a:prstDash val="solid"/>
+                      <a:round/>
+                      <a:headEnd type="none" w="med" len="med"/>
+                      <a:tailEnd type="none" w="med" len="med"/>
+                    </a:lnT>
+                    <a:lnB w="12700" cap="flat" cmpd="sng" algn="ctr">
+                      <a:solidFill>
+                        <a:schemeClr val="tx1"/>
+                      </a:solidFill>
+                      <a:prstDash val="solid"/>
+                      <a:round/>
+                      <a:headEnd type="none" w="med" len="med"/>
+                      <a:tailEnd type="none" w="med" len="med"/>
+                    </a:lnB>
+                  </a:tcPr>
                 </a:tc>
                 <a:extLst>
                   <a:ext uri="{0D108BD9-81ED-4DB2-BD59-A6C34878D82A}">
-                    <a16:rowId xmlns:a16="http://schemas.microsoft.com/office/drawing/2014/main" val="4011479830"/>
+                    <a16:rowId xmlns:a16="http://schemas.microsoft.com/office/drawing/2014/main" val="558970279"/>
                   </a:ext>
                 </a:extLst>
               </a:tr>
@@ -3696,9 +4156,47 @@
                         <a:rPr lang="en-US" dirty="0"/>
                         <a:t>2</a:t>
                       </a:r>
+                      <a:endParaRPr lang="th-TH" dirty="0"/>
                     </a:p>
                   </a:txBody>
-                  <a:tcPr/>
+                  <a:tcPr>
+                    <a:lnL w="12700" cap="flat" cmpd="sng" algn="ctr">
+                      <a:solidFill>
+                        <a:schemeClr val="tx1"/>
+                      </a:solidFill>
+                      <a:prstDash val="solid"/>
+                      <a:round/>
+                      <a:headEnd type="none" w="med" len="med"/>
+                      <a:tailEnd type="none" w="med" len="med"/>
+                    </a:lnL>
+                    <a:lnR w="12700" cap="flat" cmpd="sng" algn="ctr">
+                      <a:solidFill>
+                        <a:schemeClr val="tx1"/>
+                      </a:solidFill>
+                      <a:prstDash val="solid"/>
+                      <a:round/>
+                      <a:headEnd type="none" w="med" len="med"/>
+                      <a:tailEnd type="none" w="med" len="med"/>
+                    </a:lnR>
+                    <a:lnT w="12700" cap="flat" cmpd="sng" algn="ctr">
+                      <a:solidFill>
+                        <a:schemeClr val="tx1"/>
+                      </a:solidFill>
+                      <a:prstDash val="solid"/>
+                      <a:round/>
+                      <a:headEnd type="none" w="med" len="med"/>
+                      <a:tailEnd type="none" w="med" len="med"/>
+                    </a:lnT>
+                    <a:lnB w="12700" cap="flat" cmpd="sng" algn="ctr">
+                      <a:solidFill>
+                        <a:schemeClr val="tx1"/>
+                      </a:solidFill>
+                      <a:prstDash val="solid"/>
+                      <a:round/>
+                      <a:headEnd type="none" w="med" len="med"/>
+                      <a:tailEnd type="none" w="med" len="med"/>
+                    </a:lnB>
+                  </a:tcPr>
                 </a:tc>
                 <a:tc>
                   <a:txBody>
@@ -3707,11 +4205,49 @@
                     <a:p>
                       <a:r>
                         <a:rPr lang="en-US" dirty="0"/>
-                        <a:t>CPU</a:t>
+                        <a:t>title</a:t>
                       </a:r>
+                      <a:endParaRPr lang="th-TH" dirty="0"/>
                     </a:p>
                   </a:txBody>
-                  <a:tcPr/>
+                  <a:tcPr>
+                    <a:lnL w="12700" cap="flat" cmpd="sng" algn="ctr">
+                      <a:solidFill>
+                        <a:schemeClr val="tx1"/>
+                      </a:solidFill>
+                      <a:prstDash val="solid"/>
+                      <a:round/>
+                      <a:headEnd type="none" w="med" len="med"/>
+                      <a:tailEnd type="none" w="med" len="med"/>
+                    </a:lnL>
+                    <a:lnR w="12700" cap="flat" cmpd="sng" algn="ctr">
+                      <a:solidFill>
+                        <a:schemeClr val="tx1"/>
+                      </a:solidFill>
+                      <a:prstDash val="solid"/>
+                      <a:round/>
+                      <a:headEnd type="none" w="med" len="med"/>
+                      <a:tailEnd type="none" w="med" len="med"/>
+                    </a:lnR>
+                    <a:lnT w="12700" cap="flat" cmpd="sng" algn="ctr">
+                      <a:solidFill>
+                        <a:schemeClr val="tx1"/>
+                      </a:solidFill>
+                      <a:prstDash val="solid"/>
+                      <a:round/>
+                      <a:headEnd type="none" w="med" len="med"/>
+                      <a:tailEnd type="none" w="med" len="med"/>
+                    </a:lnT>
+                    <a:lnB w="12700" cap="flat" cmpd="sng" algn="ctr">
+                      <a:solidFill>
+                        <a:schemeClr val="tx1"/>
+                      </a:solidFill>
+                      <a:prstDash val="solid"/>
+                      <a:round/>
+                      <a:headEnd type="none" w="med" len="med"/>
+                      <a:tailEnd type="none" w="med" len="med"/>
+                    </a:lnB>
+                  </a:tcPr>
                 </a:tc>
                 <a:tc>
                   <a:txBody>
@@ -3722,9 +4258,47 @@
                         <a:rPr lang="en-US" dirty="0"/>
                         <a:t>String</a:t>
                       </a:r>
+                      <a:endParaRPr lang="th-TH" dirty="0"/>
                     </a:p>
                   </a:txBody>
-                  <a:tcPr/>
+                  <a:tcPr>
+                    <a:lnL w="12700" cap="flat" cmpd="sng" algn="ctr">
+                      <a:solidFill>
+                        <a:schemeClr val="tx1"/>
+                      </a:solidFill>
+                      <a:prstDash val="solid"/>
+                      <a:round/>
+                      <a:headEnd type="none" w="med" len="med"/>
+                      <a:tailEnd type="none" w="med" len="med"/>
+                    </a:lnL>
+                    <a:lnR w="12700" cap="flat" cmpd="sng" algn="ctr">
+                      <a:solidFill>
+                        <a:schemeClr val="tx1"/>
+                      </a:solidFill>
+                      <a:prstDash val="solid"/>
+                      <a:round/>
+                      <a:headEnd type="none" w="med" len="med"/>
+                      <a:tailEnd type="none" w="med" len="med"/>
+                    </a:lnR>
+                    <a:lnT w="12700" cap="flat" cmpd="sng" algn="ctr">
+                      <a:solidFill>
+                        <a:schemeClr val="tx1"/>
+                      </a:solidFill>
+                      <a:prstDash val="solid"/>
+                      <a:round/>
+                      <a:headEnd type="none" w="med" len="med"/>
+                      <a:tailEnd type="none" w="med" len="med"/>
+                    </a:lnT>
+                    <a:lnB w="12700" cap="flat" cmpd="sng" algn="ctr">
+                      <a:solidFill>
+                        <a:schemeClr val="tx1"/>
+                      </a:solidFill>
+                      <a:prstDash val="solid"/>
+                      <a:round/>
+                      <a:headEnd type="none" w="med" len="med"/>
+                      <a:tailEnd type="none" w="med" len="med"/>
+                    </a:lnB>
+                  </a:tcPr>
                 </a:tc>
                 <a:tc>
                   <a:txBody>
@@ -3732,12 +4306,49 @@
                     <a:lstStyle/>
                     <a:p>
                       <a:r>
-                        <a:rPr lang="en-US" dirty="0"/>
+                        <a:rPr lang="th-TH" dirty="0"/>
                         <a:t>-</a:t>
                       </a:r>
                     </a:p>
                   </a:txBody>
-                  <a:tcPr/>
+                  <a:tcPr anchor="ctr">
+                    <a:lnL w="12700" cap="flat" cmpd="sng" algn="ctr">
+                      <a:solidFill>
+                        <a:schemeClr val="tx1"/>
+                      </a:solidFill>
+                      <a:prstDash val="solid"/>
+                      <a:round/>
+                      <a:headEnd type="none" w="med" len="med"/>
+                      <a:tailEnd type="none" w="med" len="med"/>
+                    </a:lnL>
+                    <a:lnR w="12700" cap="flat" cmpd="sng" algn="ctr">
+                      <a:solidFill>
+                        <a:schemeClr val="tx1"/>
+                      </a:solidFill>
+                      <a:prstDash val="solid"/>
+                      <a:round/>
+                      <a:headEnd type="none" w="med" len="med"/>
+                      <a:tailEnd type="none" w="med" len="med"/>
+                    </a:lnR>
+                    <a:lnT w="12700" cap="flat" cmpd="sng" algn="ctr">
+                      <a:solidFill>
+                        <a:schemeClr val="tx1"/>
+                      </a:solidFill>
+                      <a:prstDash val="solid"/>
+                      <a:round/>
+                      <a:headEnd type="none" w="med" len="med"/>
+                      <a:tailEnd type="none" w="med" len="med"/>
+                    </a:lnT>
+                    <a:lnB w="12700" cap="flat" cmpd="sng" algn="ctr">
+                      <a:solidFill>
+                        <a:schemeClr val="tx1"/>
+                      </a:solidFill>
+                      <a:prstDash val="solid"/>
+                      <a:round/>
+                      <a:headEnd type="none" w="med" len="med"/>
+                      <a:tailEnd type="none" w="med" len="med"/>
+                    </a:lnB>
+                  </a:tcPr>
                 </a:tc>
                 <a:tc>
                   <a:txBody>
@@ -3745,21 +4356,53 @@
                     <a:lstStyle/>
                     <a:p>
                       <a:r>
-                        <a:rPr lang="en-US" dirty="0"/>
-                        <a:t>Intel i9 </a:t>
+                        <a:rPr lang="th-TH" dirty="0"/>
+                        <a:t>มหาพีระมิดแห่งกิซา</a:t>
                       </a:r>
-                      <a:r>
-                        <a:rPr lang="en-US" dirty="0" err="1"/>
-                        <a:t>GenXX</a:t>
-                      </a:r>
-                      <a:endParaRPr lang="en-US" dirty="0"/>
                     </a:p>
                   </a:txBody>
-                  <a:tcPr/>
+                  <a:tcPr>
+                    <a:lnL w="12700" cap="flat" cmpd="sng" algn="ctr">
+                      <a:solidFill>
+                        <a:schemeClr val="tx1"/>
+                      </a:solidFill>
+                      <a:prstDash val="solid"/>
+                      <a:round/>
+                      <a:headEnd type="none" w="med" len="med"/>
+                      <a:tailEnd type="none" w="med" len="med"/>
+                    </a:lnL>
+                    <a:lnR w="12700" cap="flat" cmpd="sng" algn="ctr">
+                      <a:solidFill>
+                        <a:schemeClr val="tx1"/>
+                      </a:solidFill>
+                      <a:prstDash val="solid"/>
+                      <a:round/>
+                      <a:headEnd type="none" w="med" len="med"/>
+                      <a:tailEnd type="none" w="med" len="med"/>
+                    </a:lnR>
+                    <a:lnT w="12700" cap="flat" cmpd="sng" algn="ctr">
+                      <a:solidFill>
+                        <a:schemeClr val="tx1"/>
+                      </a:solidFill>
+                      <a:prstDash val="solid"/>
+                      <a:round/>
+                      <a:headEnd type="none" w="med" len="med"/>
+                      <a:tailEnd type="none" w="med" len="med"/>
+                    </a:lnT>
+                    <a:lnB w="12700" cap="flat" cmpd="sng" algn="ctr">
+                      <a:solidFill>
+                        <a:schemeClr val="tx1"/>
+                      </a:solidFill>
+                      <a:prstDash val="solid"/>
+                      <a:round/>
+                      <a:headEnd type="none" w="med" len="med"/>
+                      <a:tailEnd type="none" w="med" len="med"/>
+                    </a:lnB>
+                  </a:tcPr>
                 </a:tc>
                 <a:extLst>
                   <a:ext uri="{0D108BD9-81ED-4DB2-BD59-A6C34878D82A}">
-                    <a16:rowId xmlns:a16="http://schemas.microsoft.com/office/drawing/2014/main" val="1332170679"/>
+                    <a16:rowId xmlns:a16="http://schemas.microsoft.com/office/drawing/2014/main" val="2355104039"/>
                   </a:ext>
                 </a:extLst>
               </a:tr>
@@ -3773,9 +4416,47 @@
                         <a:rPr lang="en-US" dirty="0"/>
                         <a:t>3</a:t>
                       </a:r>
+                      <a:endParaRPr lang="th-TH" dirty="0"/>
                     </a:p>
                   </a:txBody>
-                  <a:tcPr/>
+                  <a:tcPr>
+                    <a:lnL w="12700" cap="flat" cmpd="sng" algn="ctr">
+                      <a:solidFill>
+                        <a:schemeClr val="tx1"/>
+                      </a:solidFill>
+                      <a:prstDash val="solid"/>
+                      <a:round/>
+                      <a:headEnd type="none" w="med" len="med"/>
+                      <a:tailEnd type="none" w="med" len="med"/>
+                    </a:lnL>
+                    <a:lnR w="12700" cap="flat" cmpd="sng" algn="ctr">
+                      <a:solidFill>
+                        <a:schemeClr val="tx1"/>
+                      </a:solidFill>
+                      <a:prstDash val="solid"/>
+                      <a:round/>
+                      <a:headEnd type="none" w="med" len="med"/>
+                      <a:tailEnd type="none" w="med" len="med"/>
+                    </a:lnR>
+                    <a:lnT w="12700" cap="flat" cmpd="sng" algn="ctr">
+                      <a:solidFill>
+                        <a:schemeClr val="tx1"/>
+                      </a:solidFill>
+                      <a:prstDash val="solid"/>
+                      <a:round/>
+                      <a:headEnd type="none" w="med" len="med"/>
+                      <a:tailEnd type="none" w="med" len="med"/>
+                    </a:lnT>
+                    <a:lnB w="12700" cap="flat" cmpd="sng" algn="ctr">
+                      <a:solidFill>
+                        <a:schemeClr val="tx1"/>
+                      </a:solidFill>
+                      <a:prstDash val="solid"/>
+                      <a:round/>
+                      <a:headEnd type="none" w="med" len="med"/>
+                      <a:tailEnd type="none" w="med" len="med"/>
+                    </a:lnB>
+                  </a:tcPr>
                 </a:tc>
                 <a:tc>
                   <a:txBody>
@@ -3784,11 +4465,49 @@
                     <a:p>
                       <a:r>
                         <a:rPr lang="en-US" dirty="0"/>
-                        <a:t>RAM</a:t>
+                        <a:t>details</a:t>
                       </a:r>
+                      <a:endParaRPr lang="th-TH" dirty="0"/>
                     </a:p>
                   </a:txBody>
-                  <a:tcPr/>
+                  <a:tcPr>
+                    <a:lnL w="12700" cap="flat" cmpd="sng" algn="ctr">
+                      <a:solidFill>
+                        <a:schemeClr val="tx1"/>
+                      </a:solidFill>
+                      <a:prstDash val="solid"/>
+                      <a:round/>
+                      <a:headEnd type="none" w="med" len="med"/>
+                      <a:tailEnd type="none" w="med" len="med"/>
+                    </a:lnL>
+                    <a:lnR w="12700" cap="flat" cmpd="sng" algn="ctr">
+                      <a:solidFill>
+                        <a:schemeClr val="tx1"/>
+                      </a:solidFill>
+                      <a:prstDash val="solid"/>
+                      <a:round/>
+                      <a:headEnd type="none" w="med" len="med"/>
+                      <a:tailEnd type="none" w="med" len="med"/>
+                    </a:lnR>
+                    <a:lnT w="12700" cap="flat" cmpd="sng" algn="ctr">
+                      <a:solidFill>
+                        <a:schemeClr val="tx1"/>
+                      </a:solidFill>
+                      <a:prstDash val="solid"/>
+                      <a:round/>
+                      <a:headEnd type="none" w="med" len="med"/>
+                      <a:tailEnd type="none" w="med" len="med"/>
+                    </a:lnT>
+                    <a:lnB w="12700" cap="flat" cmpd="sng" algn="ctr">
+                      <a:solidFill>
+                        <a:schemeClr val="tx1"/>
+                      </a:solidFill>
+                      <a:prstDash val="solid"/>
+                      <a:round/>
+                      <a:headEnd type="none" w="med" len="med"/>
+                      <a:tailEnd type="none" w="med" len="med"/>
+                    </a:lnB>
+                  </a:tcPr>
                 </a:tc>
                 <a:tc>
                   <a:txBody>
@@ -3799,9 +4518,47 @@
                         <a:rPr lang="en-US" dirty="0"/>
                         <a:t>String</a:t>
                       </a:r>
+                      <a:endParaRPr lang="th-TH" dirty="0"/>
                     </a:p>
                   </a:txBody>
-                  <a:tcPr/>
+                  <a:tcPr>
+                    <a:lnL w="12700" cap="flat" cmpd="sng" algn="ctr">
+                      <a:solidFill>
+                        <a:schemeClr val="tx1"/>
+                      </a:solidFill>
+                      <a:prstDash val="solid"/>
+                      <a:round/>
+                      <a:headEnd type="none" w="med" len="med"/>
+                      <a:tailEnd type="none" w="med" len="med"/>
+                    </a:lnL>
+                    <a:lnR w="12700" cap="flat" cmpd="sng" algn="ctr">
+                      <a:solidFill>
+                        <a:schemeClr val="tx1"/>
+                      </a:solidFill>
+                      <a:prstDash val="solid"/>
+                      <a:round/>
+                      <a:headEnd type="none" w="med" len="med"/>
+                      <a:tailEnd type="none" w="med" len="med"/>
+                    </a:lnR>
+                    <a:lnT w="12700" cap="flat" cmpd="sng" algn="ctr">
+                      <a:solidFill>
+                        <a:schemeClr val="tx1"/>
+                      </a:solidFill>
+                      <a:prstDash val="solid"/>
+                      <a:round/>
+                      <a:headEnd type="none" w="med" len="med"/>
+                      <a:tailEnd type="none" w="med" len="med"/>
+                    </a:lnT>
+                    <a:lnB w="12700" cap="flat" cmpd="sng" algn="ctr">
+                      <a:solidFill>
+                        <a:schemeClr val="tx1"/>
+                      </a:solidFill>
+                      <a:prstDash val="solid"/>
+                      <a:round/>
+                      <a:headEnd type="none" w="med" len="med"/>
+                      <a:tailEnd type="none" w="med" len="med"/>
+                    </a:lnB>
+                  </a:tcPr>
                 </a:tc>
                 <a:tc>
                   <a:txBody>
@@ -3809,12 +4566,49 @@
                     <a:lstStyle/>
                     <a:p>
                       <a:r>
-                        <a:rPr lang="en-US" dirty="0"/>
+                        <a:rPr lang="th-TH" dirty="0"/>
                         <a:t>-</a:t>
                       </a:r>
                     </a:p>
                   </a:txBody>
-                  <a:tcPr/>
+                  <a:tcPr>
+                    <a:lnL w="12700" cap="flat" cmpd="sng" algn="ctr">
+                      <a:solidFill>
+                        <a:schemeClr val="tx1"/>
+                      </a:solidFill>
+                      <a:prstDash val="solid"/>
+                      <a:round/>
+                      <a:headEnd type="none" w="med" len="med"/>
+                      <a:tailEnd type="none" w="med" len="med"/>
+                    </a:lnL>
+                    <a:lnR w="12700" cap="flat" cmpd="sng" algn="ctr">
+                      <a:solidFill>
+                        <a:schemeClr val="tx1"/>
+                      </a:solidFill>
+                      <a:prstDash val="solid"/>
+                      <a:round/>
+                      <a:headEnd type="none" w="med" len="med"/>
+                      <a:tailEnd type="none" w="med" len="med"/>
+                    </a:lnR>
+                    <a:lnT w="12700" cap="flat" cmpd="sng" algn="ctr">
+                      <a:solidFill>
+                        <a:schemeClr val="tx1"/>
+                      </a:solidFill>
+                      <a:prstDash val="solid"/>
+                      <a:round/>
+                      <a:headEnd type="none" w="med" len="med"/>
+                      <a:tailEnd type="none" w="med" len="med"/>
+                    </a:lnT>
+                    <a:lnB w="12700" cap="flat" cmpd="sng" algn="ctr">
+                      <a:solidFill>
+                        <a:schemeClr val="tx1"/>
+                      </a:solidFill>
+                      <a:prstDash val="solid"/>
+                      <a:round/>
+                      <a:headEnd type="none" w="med" len="med"/>
+                      <a:tailEnd type="none" w="med" len="med"/>
+                    </a:lnB>
+                  </a:tcPr>
                 </a:tc>
                 <a:tc>
                   <a:txBody>
@@ -3822,25 +4616,53 @@
                     <a:lstStyle/>
                     <a:p>
                       <a:r>
-                        <a:rPr lang="en-US" dirty="0" err="1"/>
-                        <a:t>Corrair</a:t>
+                        <a:rPr lang="th-TH" dirty="0"/>
+                        <a:t>สถานที่เก่าแก่ในอียิปต์</a:t>
                       </a:r>
-                      <a:r>
-                        <a:rPr lang="en-US" dirty="0"/>
-                        <a:t> </a:t>
-                      </a:r>
-                      <a:r>
-                        <a:rPr lang="en-US" dirty="0" err="1"/>
-                        <a:t>ModelX</a:t>
-                      </a:r>
-                      <a:endParaRPr lang="en-US" dirty="0"/>
                     </a:p>
                   </a:txBody>
-                  <a:tcPr/>
+                  <a:tcPr>
+                    <a:lnL w="12700" cap="flat" cmpd="sng" algn="ctr">
+                      <a:solidFill>
+                        <a:schemeClr val="tx1"/>
+                      </a:solidFill>
+                      <a:prstDash val="solid"/>
+                      <a:round/>
+                      <a:headEnd type="none" w="med" len="med"/>
+                      <a:tailEnd type="none" w="med" len="med"/>
+                    </a:lnL>
+                    <a:lnR w="12700" cap="flat" cmpd="sng" algn="ctr">
+                      <a:solidFill>
+                        <a:schemeClr val="tx1"/>
+                      </a:solidFill>
+                      <a:prstDash val="solid"/>
+                      <a:round/>
+                      <a:headEnd type="none" w="med" len="med"/>
+                      <a:tailEnd type="none" w="med" len="med"/>
+                    </a:lnR>
+                    <a:lnT w="12700" cap="flat" cmpd="sng" algn="ctr">
+                      <a:solidFill>
+                        <a:schemeClr val="tx1"/>
+                      </a:solidFill>
+                      <a:prstDash val="solid"/>
+                      <a:round/>
+                      <a:headEnd type="none" w="med" len="med"/>
+                      <a:tailEnd type="none" w="med" len="med"/>
+                    </a:lnT>
+                    <a:lnB w="12700" cap="flat" cmpd="sng" algn="ctr">
+                      <a:solidFill>
+                        <a:schemeClr val="tx1"/>
+                      </a:solidFill>
+                      <a:prstDash val="solid"/>
+                      <a:round/>
+                      <a:headEnd type="none" w="med" len="med"/>
+                      <a:tailEnd type="none" w="med" len="med"/>
+                    </a:lnB>
+                  </a:tcPr>
                 </a:tc>
                 <a:extLst>
                   <a:ext uri="{0D108BD9-81ED-4DB2-BD59-A6C34878D82A}">
-                    <a16:rowId xmlns:a16="http://schemas.microsoft.com/office/drawing/2014/main" val="3783687646"/>
+                    <a16:rowId xmlns:a16="http://schemas.microsoft.com/office/drawing/2014/main" val="3399992490"/>
                   </a:ext>
                 </a:extLst>
               </a:tr>
@@ -3854,9 +4676,47 @@
                         <a:rPr lang="en-US" dirty="0"/>
                         <a:t>4</a:t>
                       </a:r>
+                      <a:endParaRPr lang="th-TH" dirty="0"/>
                     </a:p>
                   </a:txBody>
-                  <a:tcPr/>
+                  <a:tcPr>
+                    <a:lnL w="12700" cap="flat" cmpd="sng" algn="ctr">
+                      <a:solidFill>
+                        <a:schemeClr val="tx1"/>
+                      </a:solidFill>
+                      <a:prstDash val="solid"/>
+                      <a:round/>
+                      <a:headEnd type="none" w="med" len="med"/>
+                      <a:tailEnd type="none" w="med" len="med"/>
+                    </a:lnL>
+                    <a:lnR w="12700" cap="flat" cmpd="sng" algn="ctr">
+                      <a:solidFill>
+                        <a:schemeClr val="tx1"/>
+                      </a:solidFill>
+                      <a:prstDash val="solid"/>
+                      <a:round/>
+                      <a:headEnd type="none" w="med" len="med"/>
+                      <a:tailEnd type="none" w="med" len="med"/>
+                    </a:lnR>
+                    <a:lnT w="12700" cap="flat" cmpd="sng" algn="ctr">
+                      <a:solidFill>
+                        <a:schemeClr val="tx1"/>
+                      </a:solidFill>
+                      <a:prstDash val="solid"/>
+                      <a:round/>
+                      <a:headEnd type="none" w="med" len="med"/>
+                      <a:tailEnd type="none" w="med" len="med"/>
+                    </a:lnT>
+                    <a:lnB w="12700" cap="flat" cmpd="sng" algn="ctr">
+                      <a:solidFill>
+                        <a:schemeClr val="tx1"/>
+                      </a:solidFill>
+                      <a:prstDash val="solid"/>
+                      <a:round/>
+                      <a:headEnd type="none" w="med" len="med"/>
+                      <a:tailEnd type="none" w="med" len="med"/>
+                    </a:lnB>
+                  </a:tcPr>
                 </a:tc>
                 <a:tc>
                   <a:txBody>
@@ -3865,11 +4725,49 @@
                     <a:p>
                       <a:r>
                         <a:rPr lang="en-US" dirty="0"/>
-                        <a:t>HDD</a:t>
+                        <a:t>country</a:t>
                       </a:r>
+                      <a:endParaRPr lang="th-TH" dirty="0"/>
                     </a:p>
                   </a:txBody>
-                  <a:tcPr/>
+                  <a:tcPr>
+                    <a:lnL w="12700" cap="flat" cmpd="sng" algn="ctr">
+                      <a:solidFill>
+                        <a:schemeClr val="tx1"/>
+                      </a:solidFill>
+                      <a:prstDash val="solid"/>
+                      <a:round/>
+                      <a:headEnd type="none" w="med" len="med"/>
+                      <a:tailEnd type="none" w="med" len="med"/>
+                    </a:lnL>
+                    <a:lnR w="12700" cap="flat" cmpd="sng" algn="ctr">
+                      <a:solidFill>
+                        <a:schemeClr val="tx1"/>
+                      </a:solidFill>
+                      <a:prstDash val="solid"/>
+                      <a:round/>
+                      <a:headEnd type="none" w="med" len="med"/>
+                      <a:tailEnd type="none" w="med" len="med"/>
+                    </a:lnR>
+                    <a:lnT w="12700" cap="flat" cmpd="sng" algn="ctr">
+                      <a:solidFill>
+                        <a:schemeClr val="tx1"/>
+                      </a:solidFill>
+                      <a:prstDash val="solid"/>
+                      <a:round/>
+                      <a:headEnd type="none" w="med" len="med"/>
+                      <a:tailEnd type="none" w="med" len="med"/>
+                    </a:lnT>
+                    <a:lnB w="12700" cap="flat" cmpd="sng" algn="ctr">
+                      <a:solidFill>
+                        <a:schemeClr val="tx1"/>
+                      </a:solidFill>
+                      <a:prstDash val="solid"/>
+                      <a:round/>
+                      <a:headEnd type="none" w="med" len="med"/>
+                      <a:tailEnd type="none" w="med" len="med"/>
+                    </a:lnB>
+                  </a:tcPr>
                 </a:tc>
                 <a:tc>
                   <a:txBody>
@@ -3880,9 +4778,205 @@
                         <a:rPr lang="en-US" dirty="0"/>
                         <a:t>String</a:t>
                       </a:r>
+                      <a:endParaRPr lang="th-TH" dirty="0"/>
                     </a:p>
                   </a:txBody>
-                  <a:tcPr/>
+                  <a:tcPr>
+                    <a:lnL w="12700" cap="flat" cmpd="sng" algn="ctr">
+                      <a:solidFill>
+                        <a:schemeClr val="tx1"/>
+                      </a:solidFill>
+                      <a:prstDash val="solid"/>
+                      <a:round/>
+                      <a:headEnd type="none" w="med" len="med"/>
+                      <a:tailEnd type="none" w="med" len="med"/>
+                    </a:lnL>
+                    <a:lnR w="12700" cap="flat" cmpd="sng" algn="ctr">
+                      <a:solidFill>
+                        <a:schemeClr val="tx1"/>
+                      </a:solidFill>
+                      <a:prstDash val="solid"/>
+                      <a:round/>
+                      <a:headEnd type="none" w="med" len="med"/>
+                      <a:tailEnd type="none" w="med" len="med"/>
+                    </a:lnR>
+                    <a:lnT w="12700" cap="flat" cmpd="sng" algn="ctr">
+                      <a:solidFill>
+                        <a:schemeClr val="tx1"/>
+                      </a:solidFill>
+                      <a:prstDash val="solid"/>
+                      <a:round/>
+                      <a:headEnd type="none" w="med" len="med"/>
+                      <a:tailEnd type="none" w="med" len="med"/>
+                    </a:lnT>
+                    <a:lnB w="12700" cap="flat" cmpd="sng" algn="ctr">
+                      <a:solidFill>
+                        <a:schemeClr val="tx1"/>
+                      </a:solidFill>
+                      <a:prstDash val="solid"/>
+                      <a:round/>
+                      <a:headEnd type="none" w="med" len="med"/>
+                      <a:tailEnd type="none" w="med" len="med"/>
+                    </a:lnB>
+                  </a:tcPr>
+                </a:tc>
+                <a:tc>
+                  <a:txBody>
+                    <a:bodyPr/>
+                    <a:lstStyle/>
+                    <a:p>
+                      <a:r>
+                        <a:rPr lang="th-TH" dirty="0"/>
+                        <a:t>-</a:t>
+                      </a:r>
+                    </a:p>
+                  </a:txBody>
+                  <a:tcPr>
+                    <a:lnL w="12700" cap="flat" cmpd="sng" algn="ctr">
+                      <a:solidFill>
+                        <a:schemeClr val="tx1"/>
+                      </a:solidFill>
+                      <a:prstDash val="solid"/>
+                      <a:round/>
+                      <a:headEnd type="none" w="med" len="med"/>
+                      <a:tailEnd type="none" w="med" len="med"/>
+                    </a:lnL>
+                    <a:lnR w="12700" cap="flat" cmpd="sng" algn="ctr">
+                      <a:solidFill>
+                        <a:schemeClr val="tx1"/>
+                      </a:solidFill>
+                      <a:prstDash val="solid"/>
+                      <a:round/>
+                      <a:headEnd type="none" w="med" len="med"/>
+                      <a:tailEnd type="none" w="med" len="med"/>
+                    </a:lnR>
+                    <a:lnT w="12700" cap="flat" cmpd="sng" algn="ctr">
+                      <a:solidFill>
+                        <a:schemeClr val="tx1"/>
+                      </a:solidFill>
+                      <a:prstDash val="solid"/>
+                      <a:round/>
+                      <a:headEnd type="none" w="med" len="med"/>
+                      <a:tailEnd type="none" w="med" len="med"/>
+                    </a:lnT>
+                    <a:lnB w="12700" cap="flat" cmpd="sng" algn="ctr">
+                      <a:solidFill>
+                        <a:schemeClr val="tx1"/>
+                      </a:solidFill>
+                      <a:prstDash val="solid"/>
+                      <a:round/>
+                      <a:headEnd type="none" w="med" len="med"/>
+                      <a:tailEnd type="none" w="med" len="med"/>
+                    </a:lnB>
+                  </a:tcPr>
+                </a:tc>
+                <a:tc>
+                  <a:txBody>
+                    <a:bodyPr/>
+                    <a:lstStyle/>
+                    <a:p>
+                      <a:r>
+                        <a:rPr lang="th-TH" dirty="0"/>
+                        <a:t>อียิปต์</a:t>
+                      </a:r>
+                    </a:p>
+                  </a:txBody>
+                  <a:tcPr>
+                    <a:lnL w="12700" cap="flat" cmpd="sng" algn="ctr">
+                      <a:solidFill>
+                        <a:schemeClr val="tx1"/>
+                      </a:solidFill>
+                      <a:prstDash val="solid"/>
+                      <a:round/>
+                      <a:headEnd type="none" w="med" len="med"/>
+                      <a:tailEnd type="none" w="med" len="med"/>
+                    </a:lnL>
+                    <a:lnR w="12700" cap="flat" cmpd="sng" algn="ctr">
+                      <a:solidFill>
+                        <a:schemeClr val="tx1"/>
+                      </a:solidFill>
+                      <a:prstDash val="solid"/>
+                      <a:round/>
+                      <a:headEnd type="none" w="med" len="med"/>
+                      <a:tailEnd type="none" w="med" len="med"/>
+                    </a:lnR>
+                    <a:lnT w="12700" cap="flat" cmpd="sng" algn="ctr">
+                      <a:solidFill>
+                        <a:schemeClr val="tx1"/>
+                      </a:solidFill>
+                      <a:prstDash val="solid"/>
+                      <a:round/>
+                      <a:headEnd type="none" w="med" len="med"/>
+                      <a:tailEnd type="none" w="med" len="med"/>
+                    </a:lnT>
+                    <a:lnB w="12700" cap="flat" cmpd="sng" algn="ctr">
+                      <a:solidFill>
+                        <a:schemeClr val="tx1"/>
+                      </a:solidFill>
+                      <a:prstDash val="solid"/>
+                      <a:round/>
+                      <a:headEnd type="none" w="med" len="med"/>
+                      <a:tailEnd type="none" w="med" len="med"/>
+                    </a:lnB>
+                  </a:tcPr>
+                </a:tc>
+                <a:extLst>
+                  <a:ext uri="{0D108BD9-81ED-4DB2-BD59-A6C34878D82A}">
+                    <a16:rowId xmlns:a16="http://schemas.microsoft.com/office/drawing/2014/main" val="2376864122"/>
+                  </a:ext>
+                </a:extLst>
+              </a:tr>
+              <a:tr h="370840">
+                <a:tc>
+                  <a:txBody>
+                    <a:bodyPr/>
+                    <a:lstStyle/>
+                    <a:p>
+                      <a:r>
+                        <a:rPr lang="en-US" dirty="0"/>
+                        <a:t>5</a:t>
+                      </a:r>
+                      <a:endParaRPr lang="th-TH" dirty="0"/>
+                    </a:p>
+                  </a:txBody>
+                  <a:tcPr>
+                    <a:lnL w="12700" cap="flat" cmpd="sng" algn="ctr">
+                      <a:solidFill>
+                        <a:schemeClr val="tx1"/>
+                      </a:solidFill>
+                      <a:prstDash val="solid"/>
+                      <a:round/>
+                      <a:headEnd type="none" w="med" len="med"/>
+                      <a:tailEnd type="none" w="med" len="med"/>
+                    </a:lnL>
+                    <a:lnR w="12700" cap="flat" cmpd="sng" algn="ctr">
+                      <a:solidFill>
+                        <a:schemeClr val="tx1"/>
+                      </a:solidFill>
+                      <a:prstDash val="solid"/>
+                      <a:round/>
+                      <a:headEnd type="none" w="med" len="med"/>
+                      <a:tailEnd type="none" w="med" len="med"/>
+                    </a:lnR>
+                    <a:lnT w="12700" cap="flat" cmpd="sng" algn="ctr">
+                      <a:solidFill>
+                        <a:schemeClr val="tx1"/>
+                      </a:solidFill>
+                      <a:prstDash val="solid"/>
+                      <a:round/>
+                      <a:headEnd type="none" w="med" len="med"/>
+                      <a:tailEnd type="none" w="med" len="med"/>
+                    </a:lnT>
+                    <a:lnB w="12700" cap="flat" cmpd="sng" algn="ctr">
+                      <a:solidFill>
+                        <a:schemeClr val="tx1"/>
+                      </a:solidFill>
+                      <a:prstDash val="solid"/>
+                      <a:round/>
+                      <a:headEnd type="none" w="med" len="med"/>
+                      <a:tailEnd type="none" w="med" len="med"/>
+                    </a:lnB>
+                  </a:tcPr>
                 </a:tc>
                 <a:tc>
                   <a:txBody>
@@ -3891,11 +4985,49 @@
                     <a:p>
                       <a:r>
                         <a:rPr lang="en-US" dirty="0"/>
-                        <a:t>-</a:t>
+                        <a:t>era</a:t>
                       </a:r>
+                      <a:endParaRPr lang="th-TH" dirty="0"/>
                     </a:p>
                   </a:txBody>
-                  <a:tcPr/>
+                  <a:tcPr>
+                    <a:lnL w="12700" cap="flat" cmpd="sng" algn="ctr">
+                      <a:solidFill>
+                        <a:schemeClr val="tx1"/>
+                      </a:solidFill>
+                      <a:prstDash val="solid"/>
+                      <a:round/>
+                      <a:headEnd type="none" w="med" len="med"/>
+                      <a:tailEnd type="none" w="med" len="med"/>
+                    </a:lnL>
+                    <a:lnR w="12700" cap="flat" cmpd="sng" algn="ctr">
+                      <a:solidFill>
+                        <a:schemeClr val="tx1"/>
+                      </a:solidFill>
+                      <a:prstDash val="solid"/>
+                      <a:round/>
+                      <a:headEnd type="none" w="med" len="med"/>
+                      <a:tailEnd type="none" w="med" len="med"/>
+                    </a:lnR>
+                    <a:lnT w="12700" cap="flat" cmpd="sng" algn="ctr">
+                      <a:solidFill>
+                        <a:schemeClr val="tx1"/>
+                      </a:solidFill>
+                      <a:prstDash val="solid"/>
+                      <a:round/>
+                      <a:headEnd type="none" w="med" len="med"/>
+                      <a:tailEnd type="none" w="med" len="med"/>
+                    </a:lnT>
+                    <a:lnB w="12700" cap="flat" cmpd="sng" algn="ctr">
+                      <a:solidFill>
+                        <a:schemeClr val="tx1"/>
+                      </a:solidFill>
+                      <a:prstDash val="solid"/>
+                      <a:round/>
+                      <a:headEnd type="none" w="med" len="med"/>
+                      <a:tailEnd type="none" w="med" len="med"/>
+                    </a:lnB>
+                  </a:tcPr>
                 </a:tc>
                 <a:tc>
                   <a:txBody>
@@ -3904,20 +5036,414 @@
                     <a:p>
                       <a:r>
                         <a:rPr lang="en-US" dirty="0"/>
-                        <a:t>WD Black </a:t>
+                        <a:t>String</a:t>
                       </a:r>
-                      <a:r>
-                        <a:rPr lang="en-US" dirty="0" err="1"/>
-                        <a:t>ModelX</a:t>
-                      </a:r>
-                      <a:endParaRPr lang="en-US" dirty="0"/>
+                      <a:endParaRPr lang="th-TH" dirty="0"/>
                     </a:p>
                   </a:txBody>
-                  <a:tcPr/>
+                  <a:tcPr>
+                    <a:lnL w="12700" cap="flat" cmpd="sng" algn="ctr">
+                      <a:solidFill>
+                        <a:schemeClr val="tx1"/>
+                      </a:solidFill>
+                      <a:prstDash val="solid"/>
+                      <a:round/>
+                      <a:headEnd type="none" w="med" len="med"/>
+                      <a:tailEnd type="none" w="med" len="med"/>
+                    </a:lnL>
+                    <a:lnR w="12700" cap="flat" cmpd="sng" algn="ctr">
+                      <a:solidFill>
+                        <a:schemeClr val="tx1"/>
+                      </a:solidFill>
+                      <a:prstDash val="solid"/>
+                      <a:round/>
+                      <a:headEnd type="none" w="med" len="med"/>
+                      <a:tailEnd type="none" w="med" len="med"/>
+                    </a:lnR>
+                    <a:lnT w="12700" cap="flat" cmpd="sng" algn="ctr">
+                      <a:solidFill>
+                        <a:schemeClr val="tx1"/>
+                      </a:solidFill>
+                      <a:prstDash val="solid"/>
+                      <a:round/>
+                      <a:headEnd type="none" w="med" len="med"/>
+                      <a:tailEnd type="none" w="med" len="med"/>
+                    </a:lnT>
+                    <a:lnB w="12700" cap="flat" cmpd="sng" algn="ctr">
+                      <a:solidFill>
+                        <a:schemeClr val="tx1"/>
+                      </a:solidFill>
+                      <a:prstDash val="solid"/>
+                      <a:round/>
+                      <a:headEnd type="none" w="med" len="med"/>
+                      <a:tailEnd type="none" w="med" len="med"/>
+                    </a:lnB>
+                  </a:tcPr>
+                </a:tc>
+                <a:tc>
+                  <a:txBody>
+                    <a:bodyPr/>
+                    <a:lstStyle/>
+                    <a:p>
+                      <a:r>
+                        <a:rPr lang="th-TH" dirty="0"/>
+                        <a:t>-</a:t>
+                      </a:r>
+                    </a:p>
+                  </a:txBody>
+                  <a:tcPr>
+                    <a:lnL w="12700" cap="flat" cmpd="sng" algn="ctr">
+                      <a:solidFill>
+                        <a:schemeClr val="tx1"/>
+                      </a:solidFill>
+                      <a:prstDash val="solid"/>
+                      <a:round/>
+                      <a:headEnd type="none" w="med" len="med"/>
+                      <a:tailEnd type="none" w="med" len="med"/>
+                    </a:lnL>
+                    <a:lnR w="12700" cap="flat" cmpd="sng" algn="ctr">
+                      <a:solidFill>
+                        <a:schemeClr val="tx1"/>
+                      </a:solidFill>
+                      <a:prstDash val="solid"/>
+                      <a:round/>
+                      <a:headEnd type="none" w="med" len="med"/>
+                      <a:tailEnd type="none" w="med" len="med"/>
+                    </a:lnR>
+                    <a:lnT w="12700" cap="flat" cmpd="sng" algn="ctr">
+                      <a:solidFill>
+                        <a:schemeClr val="tx1"/>
+                      </a:solidFill>
+                      <a:prstDash val="solid"/>
+                      <a:round/>
+                      <a:headEnd type="none" w="med" len="med"/>
+                      <a:tailEnd type="none" w="med" len="med"/>
+                    </a:lnT>
+                    <a:lnB w="12700" cap="flat" cmpd="sng" algn="ctr">
+                      <a:solidFill>
+                        <a:schemeClr val="tx1"/>
+                      </a:solidFill>
+                      <a:prstDash val="solid"/>
+                      <a:round/>
+                      <a:headEnd type="none" w="med" len="med"/>
+                      <a:tailEnd type="none" w="med" len="med"/>
+                    </a:lnB>
+                  </a:tcPr>
+                </a:tc>
+                <a:tc>
+                  <a:txBody>
+                    <a:bodyPr/>
+                    <a:lstStyle/>
+                    <a:p>
+                      <a:r>
+                        <a:rPr lang="th-TH" dirty="0"/>
+                        <a:t>โบราณ</a:t>
+                      </a:r>
+                    </a:p>
+                  </a:txBody>
+                  <a:tcPr>
+                    <a:lnL w="12700" cap="flat" cmpd="sng" algn="ctr">
+                      <a:solidFill>
+                        <a:schemeClr val="tx1"/>
+                      </a:solidFill>
+                      <a:prstDash val="solid"/>
+                      <a:round/>
+                      <a:headEnd type="none" w="med" len="med"/>
+                      <a:tailEnd type="none" w="med" len="med"/>
+                    </a:lnL>
+                    <a:lnR w="12700" cap="flat" cmpd="sng" algn="ctr">
+                      <a:solidFill>
+                        <a:schemeClr val="tx1"/>
+                      </a:solidFill>
+                      <a:prstDash val="solid"/>
+                      <a:round/>
+                      <a:headEnd type="none" w="med" len="med"/>
+                      <a:tailEnd type="none" w="med" len="med"/>
+                    </a:lnR>
+                    <a:lnT w="12700" cap="flat" cmpd="sng" algn="ctr">
+                      <a:solidFill>
+                        <a:schemeClr val="tx1"/>
+                      </a:solidFill>
+                      <a:prstDash val="solid"/>
+                      <a:round/>
+                      <a:headEnd type="none" w="med" len="med"/>
+                      <a:tailEnd type="none" w="med" len="med"/>
+                    </a:lnT>
+                    <a:lnB w="12700" cap="flat" cmpd="sng" algn="ctr">
+                      <a:solidFill>
+                        <a:schemeClr val="tx1"/>
+                      </a:solidFill>
+                      <a:prstDash val="solid"/>
+                      <a:round/>
+                      <a:headEnd type="none" w="med" len="med"/>
+                      <a:tailEnd type="none" w="med" len="med"/>
+                    </a:lnB>
+                  </a:tcPr>
                 </a:tc>
                 <a:extLst>
                   <a:ext uri="{0D108BD9-81ED-4DB2-BD59-A6C34878D82A}">
-                    <a16:rowId xmlns:a16="http://schemas.microsoft.com/office/drawing/2014/main" val="792690464"/>
+                    <a16:rowId xmlns:a16="http://schemas.microsoft.com/office/drawing/2014/main" val="792710329"/>
+                  </a:ext>
+                </a:extLst>
+              </a:tr>
+              <a:tr h="370840">
+                <a:tc>
+                  <a:txBody>
+                    <a:bodyPr/>
+                    <a:lstStyle/>
+                    <a:p>
+                      <a:r>
+                        <a:rPr lang="en-US" dirty="0"/>
+                        <a:t>6</a:t>
+                      </a:r>
+                      <a:endParaRPr lang="th-TH" dirty="0"/>
+                    </a:p>
+                  </a:txBody>
+                  <a:tcPr>
+                    <a:lnL w="12700" cap="flat" cmpd="sng" algn="ctr">
+                      <a:solidFill>
+                        <a:schemeClr val="tx1"/>
+                      </a:solidFill>
+                      <a:prstDash val="solid"/>
+                      <a:round/>
+                      <a:headEnd type="none" w="med" len="med"/>
+                      <a:tailEnd type="none" w="med" len="med"/>
+                    </a:lnL>
+                    <a:lnR w="12700" cap="flat" cmpd="sng" algn="ctr">
+                      <a:solidFill>
+                        <a:schemeClr val="tx1"/>
+                      </a:solidFill>
+                      <a:prstDash val="solid"/>
+                      <a:round/>
+                      <a:headEnd type="none" w="med" len="med"/>
+                      <a:tailEnd type="none" w="med" len="med"/>
+                    </a:lnR>
+                    <a:lnT w="12700" cap="flat" cmpd="sng" algn="ctr">
+                      <a:solidFill>
+                        <a:schemeClr val="tx1"/>
+                      </a:solidFill>
+                      <a:prstDash val="solid"/>
+                      <a:round/>
+                      <a:headEnd type="none" w="med" len="med"/>
+                      <a:tailEnd type="none" w="med" len="med"/>
+                    </a:lnT>
+                    <a:lnB w="12700" cap="flat" cmpd="sng" algn="ctr">
+                      <a:solidFill>
+                        <a:schemeClr val="tx1"/>
+                      </a:solidFill>
+                      <a:prstDash val="solid"/>
+                      <a:round/>
+                      <a:headEnd type="none" w="med" len="med"/>
+                      <a:tailEnd type="none" w="med" len="med"/>
+                    </a:lnB>
+                  </a:tcPr>
+                </a:tc>
+                <a:tc>
+                  <a:txBody>
+                    <a:bodyPr/>
+                    <a:lstStyle/>
+                    <a:p>
+                      <a:r>
+                        <a:rPr lang="en-US" dirty="0" err="1"/>
+                        <a:t>imageUrl</a:t>
+                      </a:r>
+                      <a:endParaRPr lang="th-TH" dirty="0"/>
+                    </a:p>
+                  </a:txBody>
+                  <a:tcPr>
+                    <a:lnL w="12700" cap="flat" cmpd="sng" algn="ctr">
+                      <a:solidFill>
+                        <a:schemeClr val="tx1"/>
+                      </a:solidFill>
+                      <a:prstDash val="solid"/>
+                      <a:round/>
+                      <a:headEnd type="none" w="med" len="med"/>
+                      <a:tailEnd type="none" w="med" len="med"/>
+                    </a:lnL>
+                    <a:lnR w="12700" cap="flat" cmpd="sng" algn="ctr">
+                      <a:solidFill>
+                        <a:schemeClr val="tx1"/>
+                      </a:solidFill>
+                      <a:prstDash val="solid"/>
+                      <a:round/>
+                      <a:headEnd type="none" w="med" len="med"/>
+                      <a:tailEnd type="none" w="med" len="med"/>
+                    </a:lnR>
+                    <a:lnT w="12700" cap="flat" cmpd="sng" algn="ctr">
+                      <a:solidFill>
+                        <a:schemeClr val="tx1"/>
+                      </a:solidFill>
+                      <a:prstDash val="solid"/>
+                      <a:round/>
+                      <a:headEnd type="none" w="med" len="med"/>
+                      <a:tailEnd type="none" w="med" len="med"/>
+                    </a:lnT>
+                    <a:lnB w="12700" cap="flat" cmpd="sng" algn="ctr">
+                      <a:solidFill>
+                        <a:schemeClr val="tx1"/>
+                      </a:solidFill>
+                      <a:prstDash val="solid"/>
+                      <a:round/>
+                      <a:headEnd type="none" w="med" len="med"/>
+                      <a:tailEnd type="none" w="med" len="med"/>
+                    </a:lnB>
+                  </a:tcPr>
+                </a:tc>
+                <a:tc>
+                  <a:txBody>
+                    <a:bodyPr/>
+                    <a:lstStyle/>
+                    <a:p>
+                      <a:r>
+                        <a:rPr lang="en-US" dirty="0"/>
+                        <a:t>String</a:t>
+                      </a:r>
+                      <a:endParaRPr lang="th-TH" dirty="0"/>
+                    </a:p>
+                  </a:txBody>
+                  <a:tcPr>
+                    <a:lnL w="12700" cap="flat" cmpd="sng" algn="ctr">
+                      <a:solidFill>
+                        <a:schemeClr val="tx1"/>
+                      </a:solidFill>
+                      <a:prstDash val="solid"/>
+                      <a:round/>
+                      <a:headEnd type="none" w="med" len="med"/>
+                      <a:tailEnd type="none" w="med" len="med"/>
+                    </a:lnL>
+                    <a:lnR w="12700" cap="flat" cmpd="sng" algn="ctr">
+                      <a:solidFill>
+                        <a:schemeClr val="tx1"/>
+                      </a:solidFill>
+                      <a:prstDash val="solid"/>
+                      <a:round/>
+                      <a:headEnd type="none" w="med" len="med"/>
+                      <a:tailEnd type="none" w="med" len="med"/>
+                    </a:lnR>
+                    <a:lnT w="12700" cap="flat" cmpd="sng" algn="ctr">
+                      <a:solidFill>
+                        <a:schemeClr val="tx1"/>
+                      </a:solidFill>
+                      <a:prstDash val="solid"/>
+                      <a:round/>
+                      <a:headEnd type="none" w="med" len="med"/>
+                      <a:tailEnd type="none" w="med" len="med"/>
+                    </a:lnT>
+                    <a:lnB w="12700" cap="flat" cmpd="sng" algn="ctr">
+                      <a:solidFill>
+                        <a:schemeClr val="tx1"/>
+                      </a:solidFill>
+                      <a:prstDash val="solid"/>
+                      <a:round/>
+                      <a:headEnd type="none" w="med" len="med"/>
+                      <a:tailEnd type="none" w="med" len="med"/>
+                    </a:lnB>
+                  </a:tcPr>
+                </a:tc>
+                <a:tc>
+                  <a:txBody>
+                    <a:bodyPr/>
+                    <a:lstStyle/>
+                    <a:p>
+                      <a:r>
+                        <a:rPr lang="th-TH" dirty="0"/>
+                        <a:t>-</a:t>
+                      </a:r>
+                    </a:p>
+                  </a:txBody>
+                  <a:tcPr>
+                    <a:lnL w="12700" cap="flat" cmpd="sng" algn="ctr">
+                      <a:solidFill>
+                        <a:schemeClr val="tx1"/>
+                      </a:solidFill>
+                      <a:prstDash val="solid"/>
+                      <a:round/>
+                      <a:headEnd type="none" w="med" len="med"/>
+                      <a:tailEnd type="none" w="med" len="med"/>
+                    </a:lnL>
+                    <a:lnR w="12700" cap="flat" cmpd="sng" algn="ctr">
+                      <a:solidFill>
+                        <a:schemeClr val="tx1"/>
+                      </a:solidFill>
+                      <a:prstDash val="solid"/>
+                      <a:round/>
+                      <a:headEnd type="none" w="med" len="med"/>
+                      <a:tailEnd type="none" w="med" len="med"/>
+                    </a:lnR>
+                    <a:lnT w="12700" cap="flat" cmpd="sng" algn="ctr">
+                      <a:solidFill>
+                        <a:schemeClr val="tx1"/>
+                      </a:solidFill>
+                      <a:prstDash val="solid"/>
+                      <a:round/>
+                      <a:headEnd type="none" w="med" len="med"/>
+                      <a:tailEnd type="none" w="med" len="med"/>
+                    </a:lnT>
+                    <a:lnB w="12700" cap="flat" cmpd="sng" algn="ctr">
+                      <a:solidFill>
+                        <a:schemeClr val="tx1"/>
+                      </a:solidFill>
+                      <a:prstDash val="solid"/>
+                      <a:round/>
+                      <a:headEnd type="none" w="med" len="med"/>
+                      <a:tailEnd type="none" w="med" len="med"/>
+                    </a:lnB>
+                  </a:tcPr>
+                </a:tc>
+                <a:tc>
+                  <a:txBody>
+                    <a:bodyPr/>
+                    <a:lstStyle/>
+                    <a:p>
+                      <a:r>
+                        <a:rPr lang="en-US" dirty="0"/>
+                        <a:t>https://example.com/giza-pyramid.jpg</a:t>
+                      </a:r>
+                      <a:endParaRPr lang="th-TH" dirty="0"/>
+                    </a:p>
+                  </a:txBody>
+                  <a:tcPr>
+                    <a:lnL w="12700" cap="flat" cmpd="sng" algn="ctr">
+                      <a:solidFill>
+                        <a:schemeClr val="tx1"/>
+                      </a:solidFill>
+                      <a:prstDash val="solid"/>
+                      <a:round/>
+                      <a:headEnd type="none" w="med" len="med"/>
+                      <a:tailEnd type="none" w="med" len="med"/>
+                    </a:lnL>
+                    <a:lnR w="12700" cap="flat" cmpd="sng" algn="ctr">
+                      <a:solidFill>
+                        <a:schemeClr val="tx1"/>
+                      </a:solidFill>
+                      <a:prstDash val="solid"/>
+                      <a:round/>
+                      <a:headEnd type="none" w="med" len="med"/>
+                      <a:tailEnd type="none" w="med" len="med"/>
+                    </a:lnR>
+                    <a:lnT w="12700" cap="flat" cmpd="sng" algn="ctr">
+                      <a:solidFill>
+                        <a:schemeClr val="tx1"/>
+                      </a:solidFill>
+                      <a:prstDash val="solid"/>
+                      <a:round/>
+                      <a:headEnd type="none" w="med" len="med"/>
+                      <a:tailEnd type="none" w="med" len="med"/>
+                    </a:lnT>
+                    <a:lnB w="12700" cap="flat" cmpd="sng" algn="ctr">
+                      <a:solidFill>
+                        <a:schemeClr val="tx1"/>
+                      </a:solidFill>
+                      <a:prstDash val="solid"/>
+                      <a:round/>
+                      <a:headEnd type="none" w="med" len="med"/>
+                      <a:tailEnd type="none" w="med" len="med"/>
+                    </a:lnB>
+                  </a:tcPr>
+                </a:tc>
+                <a:extLst>
+                  <a:ext uri="{0D108BD9-81ED-4DB2-BD59-A6C34878D82A}">
+                    <a16:rowId xmlns:a16="http://schemas.microsoft.com/office/drawing/2014/main" val="412981479"/>
                   </a:ext>
                 </a:extLst>
               </a:tr>
@@ -3925,45 +5451,6 @@
           </a:graphicData>
         </a:graphic>
       </p:graphicFrame>
-      <p:sp>
-        <p:nvSpPr>
-          <p:cNvPr id="5" name="TextBox 4">
-            <a:extLst>
-              <a:ext uri="{FF2B5EF4-FFF2-40B4-BE49-F238E27FC236}">
-                <a16:creationId xmlns:a16="http://schemas.microsoft.com/office/drawing/2014/main" id="{1E9E0681-369F-486F-95FF-1531F9D99766}"/>
-              </a:ext>
-            </a:extLst>
-          </p:cNvPr>
-          <p:cNvSpPr txBox="1"/>
-          <p:nvPr/>
-        </p:nvSpPr>
-        <p:spPr>
-          <a:xfrm>
-            <a:off x="949036" y="1690688"/>
-            <a:ext cx="3740728" cy="369332"/>
-          </a:xfrm>
-          <a:prstGeom prst="rect">
-            <a:avLst/>
-          </a:prstGeom>
-          <a:noFill/>
-        </p:spPr>
-        <p:txBody>
-          <a:bodyPr wrap="square" rtlCol="0">
-            <a:spAutoFit/>
-          </a:bodyPr>
-          <a:lstStyle/>
-          <a:p>
-            <a:r>
-              <a:rPr lang="th-TH" dirty="0"/>
-              <a:t>ชื่อโมเดล</a:t>
-            </a:r>
-            <a:r>
-              <a:rPr lang="en-US" dirty="0"/>
-              <a:t>: Computer</a:t>
-            </a:r>
-          </a:p>
-        </p:txBody>
-      </p:sp>
     </p:spTree>
     <p:extLst>
       <p:ext uri="{BB962C8B-B14F-4D97-AF65-F5344CB8AC3E}">
@@ -4066,8 +5553,13 @@
             </a:r>
             <a:r>
               <a:rPr lang="en-US" dirty="0"/>
-              <a:t>1</a:t>
-            </a:r>
+              <a:t>1 </a:t>
+            </a:r>
+            <a:r>
+              <a:rPr lang="th-TH" dirty="0"/>
+              <a:t>แยกประเภทข้อมูลของยุคแต่ละยุค</a:t>
+            </a:r>
+            <a:endParaRPr lang="en-US" dirty="0"/>
           </a:p>
           <a:p>
             <a:pPr marL="514350" indent="-514350">
@@ -4084,8 +5576,25 @@
             </a:r>
             <a:r>
               <a:rPr lang="en-US" dirty="0"/>
-              <a:t> 2</a:t>
-            </a:r>
+              <a:t> 2 </a:t>
+            </a:r>
+            <a:r>
+              <a:rPr lang="th-TH" dirty="0"/>
+              <a:t>แนบรูปจาก </a:t>
+            </a:r>
+            <a:r>
+              <a:rPr lang="en-US" dirty="0" err="1"/>
+              <a:t>url</a:t>
+            </a:r>
+            <a:r>
+              <a:rPr lang="en-US" dirty="0"/>
+              <a:t> </a:t>
+            </a:r>
+            <a:r>
+              <a:rPr lang="th-TH" dirty="0"/>
+              <a:t>ได้ </a:t>
+            </a:r>
+            <a:endParaRPr lang="en-US" dirty="0"/>
           </a:p>
           <a:p>
             <a:pPr marL="514350" indent="-514350">

--- a/present/ตัวอย่างไฟล์นำเสนอ.pptx
+++ b/present/ตัวอย่างไฟล์นำเสนอ.pptx
@@ -5611,8 +5611,13 @@
             </a:r>
             <a:r>
               <a:rPr lang="en-US" dirty="0"/>
-              <a:t> 3</a:t>
-            </a:r>
+              <a:t> 3 </a:t>
+            </a:r>
+            <a:r>
+              <a:rPr lang="th-TH"/>
+              <a:t>มีช่องค้นหา</a:t>
+            </a:r>
+            <a:endParaRPr lang="en-US" dirty="0"/>
           </a:p>
         </p:txBody>
       </p:sp>
